--- a/ĐỒ ÁN TỐT NGHIỆP.pptx
+++ b/ĐỒ ÁN TỐT NGHIỆP.pptx
@@ -286,7 +286,7 @@
             <a:fld id="{311A4800-9E91-47DB-90E5-80E273E422CF}" type="datetimeFigureOut">
               <a:rPr lang="en-US" smtClean="0"/>
               <a:pPr/>
-              <a:t>4/18/2016</a:t>
+              <a:t>4/19/2016</a:t>
             </a:fld>
             <a:endParaRPr lang="en-US"/>
           </a:p>
@@ -453,7 +453,7 @@
             <a:fld id="{311A4800-9E91-47DB-90E5-80E273E422CF}" type="datetimeFigureOut">
               <a:rPr lang="en-US" smtClean="0"/>
               <a:pPr/>
-              <a:t>4/18/2016</a:t>
+              <a:t>4/19/2016</a:t>
             </a:fld>
             <a:endParaRPr lang="en-US"/>
           </a:p>
@@ -630,7 +630,7 @@
             <a:fld id="{311A4800-9E91-47DB-90E5-80E273E422CF}" type="datetimeFigureOut">
               <a:rPr lang="en-US" smtClean="0"/>
               <a:pPr/>
-              <a:t>4/18/2016</a:t>
+              <a:t>4/19/2016</a:t>
             </a:fld>
             <a:endParaRPr lang="en-US"/>
           </a:p>
@@ -797,7 +797,7 @@
             <a:fld id="{311A4800-9E91-47DB-90E5-80E273E422CF}" type="datetimeFigureOut">
               <a:rPr lang="en-US" smtClean="0"/>
               <a:pPr/>
-              <a:t>4/18/2016</a:t>
+              <a:t>4/19/2016</a:t>
             </a:fld>
             <a:endParaRPr lang="en-US"/>
           </a:p>
@@ -1041,7 +1041,7 @@
             <a:fld id="{311A4800-9E91-47DB-90E5-80E273E422CF}" type="datetimeFigureOut">
               <a:rPr lang="en-US" smtClean="0"/>
               <a:pPr/>
-              <a:t>4/18/2016</a:t>
+              <a:t>4/19/2016</a:t>
             </a:fld>
             <a:endParaRPr lang="en-US"/>
           </a:p>
@@ -1307,7 +1307,7 @@
             <a:fld id="{311A4800-9E91-47DB-90E5-80E273E422CF}" type="datetimeFigureOut">
               <a:rPr lang="en-US" smtClean="0"/>
               <a:pPr/>
-              <a:t>4/18/2016</a:t>
+              <a:t>4/19/2016</a:t>
             </a:fld>
             <a:endParaRPr lang="en-US"/>
           </a:p>
@@ -1687,7 +1687,7 @@
             <a:fld id="{311A4800-9E91-47DB-90E5-80E273E422CF}" type="datetimeFigureOut">
               <a:rPr lang="en-US" smtClean="0"/>
               <a:pPr/>
-              <a:t>4/18/2016</a:t>
+              <a:t>4/19/2016</a:t>
             </a:fld>
             <a:endParaRPr lang="en-US"/>
           </a:p>
@@ -1839,7 +1839,7 @@
             <a:fld id="{311A4800-9E91-47DB-90E5-80E273E422CF}" type="datetimeFigureOut">
               <a:rPr lang="en-US" smtClean="0"/>
               <a:pPr/>
-              <a:t>4/18/2016</a:t>
+              <a:t>4/19/2016</a:t>
             </a:fld>
             <a:endParaRPr lang="en-US"/>
           </a:p>
@@ -1931,7 +1931,7 @@
             <a:fld id="{311A4800-9E91-47DB-90E5-80E273E422CF}" type="datetimeFigureOut">
               <a:rPr lang="en-US" smtClean="0"/>
               <a:pPr/>
-              <a:t>4/18/2016</a:t>
+              <a:t>4/19/2016</a:t>
             </a:fld>
             <a:endParaRPr lang="en-US"/>
           </a:p>
@@ -2194,7 +2194,7 @@
             <a:fld id="{311A4800-9E91-47DB-90E5-80E273E422CF}" type="datetimeFigureOut">
               <a:rPr lang="en-US" smtClean="0"/>
               <a:pPr/>
-              <a:t>4/18/2016</a:t>
+              <a:t>4/19/2016</a:t>
             </a:fld>
             <a:endParaRPr lang="en-US"/>
           </a:p>
@@ -2484,7 +2484,7 @@
             <a:fld id="{311A4800-9E91-47DB-90E5-80E273E422CF}" type="datetimeFigureOut">
               <a:rPr lang="en-US" smtClean="0"/>
               <a:pPr/>
-              <a:t>4/18/2016</a:t>
+              <a:t>4/19/2016</a:t>
             </a:fld>
             <a:endParaRPr lang="en-US"/>
           </a:p>
@@ -3257,7 +3257,7 @@
             <a:fld id="{311A4800-9E91-47DB-90E5-80E273E422CF}" type="datetimeFigureOut">
               <a:rPr lang="en-US" smtClean="0"/>
               <a:pPr/>
-              <a:t>4/18/2016</a:t>
+              <a:t>4/19/2016</a:t>
             </a:fld>
             <a:endParaRPr lang="en-US"/>
           </a:p>
@@ -4772,16 +4772,12 @@
               <a:t>Toán</a:t>
             </a:r>
             <a:r>
-              <a:rPr lang="en-US" sz="2800" dirty="0" smtClean="0"/>
-              <a:t> Qua </a:t>
-            </a:r>
-            <a:r>
-              <a:rPr lang="en-US" sz="2800" dirty="0" err="1" smtClean="0"/>
-              <a:t>Thẻ</a:t>
-            </a:r>
-            <a:r>
-              <a:rPr lang="en-US" sz="2800" dirty="0" smtClean="0"/>
-              <a:t> Visa</a:t>
+              <a:rPr lang="en-US" sz="2800" smtClean="0"/>
+              <a:t> </a:t>
+            </a:r>
+            <a:r>
+              <a:rPr lang="en-US" sz="2800" smtClean="0"/>
+              <a:t>Online</a:t>
             </a:r>
             <a:endParaRPr lang="en-US" sz="2800" dirty="0"/>
           </a:p>
